--- a/week2Assignment/Analysis for XYZ.pptx
+++ b/week2Assignment/Analysis for XYZ.pptx
@@ -5,7 +5,7 @@
     <p:sldMasterId id="2147483684" r:id="rId1"/>
   </p:sldMasterIdLst>
   <p:notesMasterIdLst>
-    <p:notesMasterId r:id="rId22"/>
+    <p:notesMasterId r:id="rId24"/>
   </p:notesMasterIdLst>
   <p:sldIdLst>
     <p:sldId id="256" r:id="rId2"/>
@@ -14,20 +14,22 @@
     <p:sldId id="278" r:id="rId5"/>
     <p:sldId id="277" r:id="rId6"/>
     <p:sldId id="272" r:id="rId7"/>
-    <p:sldId id="269" r:id="rId8"/>
-    <p:sldId id="271" r:id="rId9"/>
-    <p:sldId id="279" r:id="rId10"/>
-    <p:sldId id="284" r:id="rId11"/>
-    <p:sldId id="285" r:id="rId12"/>
-    <p:sldId id="280" r:id="rId13"/>
-    <p:sldId id="281" r:id="rId14"/>
-    <p:sldId id="270" r:id="rId15"/>
-    <p:sldId id="275" r:id="rId16"/>
-    <p:sldId id="273" r:id="rId17"/>
-    <p:sldId id="274" r:id="rId18"/>
-    <p:sldId id="282" r:id="rId19"/>
-    <p:sldId id="283" r:id="rId20"/>
-    <p:sldId id="268" r:id="rId21"/>
+    <p:sldId id="286" r:id="rId8"/>
+    <p:sldId id="287" r:id="rId9"/>
+    <p:sldId id="269" r:id="rId10"/>
+    <p:sldId id="271" r:id="rId11"/>
+    <p:sldId id="279" r:id="rId12"/>
+    <p:sldId id="284" r:id="rId13"/>
+    <p:sldId id="285" r:id="rId14"/>
+    <p:sldId id="280" r:id="rId15"/>
+    <p:sldId id="281" r:id="rId16"/>
+    <p:sldId id="270" r:id="rId17"/>
+    <p:sldId id="275" r:id="rId18"/>
+    <p:sldId id="273" r:id="rId19"/>
+    <p:sldId id="274" r:id="rId20"/>
+    <p:sldId id="282" r:id="rId21"/>
+    <p:sldId id="283" r:id="rId22"/>
+    <p:sldId id="268" r:id="rId23"/>
   </p:sldIdLst>
   <p:sldSz cx="12192000" cy="6858000"/>
   <p:notesSz cx="6858000" cy="9144000"/>
@@ -150,9 +152,11 @@
             <p14:sldId id="277"/>
           </p14:sldIdLst>
         </p14:section>
-        <p14:section name="Untitled Section" id="{8EB9594B-A694-4C72-99DA-8938D2363B89}">
+        <p14:section name="Which company has maximum cab users at a particular time period?" id="{8EB9594B-A694-4C72-99DA-8938D2363B89}">
           <p14:sldIdLst>
             <p14:sldId id="272"/>
+            <p14:sldId id="286"/>
+            <p14:sldId id="287"/>
             <p14:sldId id="269"/>
             <p14:sldId id="271"/>
           </p14:sldIdLst>
@@ -190,6 +194,9 @@
     <p:ext uri="{EFAFB233-063F-42B5-8137-9DF3F51BA10A}">
       <p15:sldGuideLst xmlns:p15="http://schemas.microsoft.com/office/powerpoint/2012/main"/>
     </p:ext>
+    <p:ext uri="{2D200454-40CA-4A62-9FC3-DE9A4176ACB9}">
+      <p15:notesGuideLst xmlns:p15="http://schemas.microsoft.com/office/powerpoint/2012/main"/>
+    </p:ext>
   </p:extLst>
 </p:presentation>
 </file>
@@ -210,8 +217,131 @@
 <p1510:revInfo xmlns:a="http://schemas.openxmlformats.org/drawingml/2006/main" xmlns:r="http://schemas.openxmlformats.org/officeDocument/2006/relationships" xmlns:p1510="http://schemas.microsoft.com/office/powerpoint/2015/10/main">
   <p1510:revLst>
     <p1510:client id="{51023444-5465-47FB-9E45-48B1F5714861}" v="59" dt="2021-03-07T16:20:07.974"/>
+    <p1510:client id="{EBC69FB6-C752-46CD-B847-6227E12A3A25}" v="8" dt="2021-03-08T16:01:05.506"/>
   </p1510:revLst>
 </p1510:revInfo>
+</file>
+
+<file path=ppt/changesInfos/changesInfo1.xml><?xml version="1.0" encoding="utf-8"?>
+<pc:chgInfo xmlns:a="http://schemas.openxmlformats.org/drawingml/2006/main" xmlns:r="http://schemas.openxmlformats.org/officeDocument/2006/relationships" xmlns:ac="http://schemas.microsoft.com/office/drawing/2013/main/command" xmlns:pc="http://schemas.microsoft.com/office/powerpoint/2013/main/command">
+  <pc:docChgLst>
+    <pc:chgData name="donal maher" userId="ac174c4a849ab62f" providerId="LiveId" clId="{EBC69FB6-C752-46CD-B847-6227E12A3A25}"/>
+    <pc:docChg chg="undo custSel mod addSld modSld sldOrd modSection">
+      <pc:chgData name="donal maher" userId="ac174c4a849ab62f" providerId="LiveId" clId="{EBC69FB6-C752-46CD-B847-6227E12A3A25}" dt="2021-03-08T16:01:32.402" v="886" actId="20577"/>
+      <pc:docMkLst>
+        <pc:docMk/>
+      </pc:docMkLst>
+      <pc:sldChg chg="modNotesTx">
+        <pc:chgData name="donal maher" userId="ac174c4a849ab62f" providerId="LiveId" clId="{EBC69FB6-C752-46CD-B847-6227E12A3A25}" dt="2021-03-08T12:14:24.798" v="692" actId="20577"/>
+        <pc:sldMkLst>
+          <pc:docMk/>
+          <pc:sldMk cId="1557522801" sldId="269"/>
+        </pc:sldMkLst>
+      </pc:sldChg>
+      <pc:sldChg chg="modNotesTx">
+        <pc:chgData name="donal maher" userId="ac174c4a849ab62f" providerId="LiveId" clId="{EBC69FB6-C752-46CD-B847-6227E12A3A25}" dt="2021-03-08T12:12:00.777" v="565" actId="20577"/>
+        <pc:sldMkLst>
+          <pc:docMk/>
+          <pc:sldMk cId="1196364654" sldId="272"/>
+        </pc:sldMkLst>
+      </pc:sldChg>
+      <pc:sldChg chg="addSp delSp modSp new mod ord setBg modNotesTx">
+        <pc:chgData name="donal maher" userId="ac174c4a849ab62f" providerId="LiveId" clId="{EBC69FB6-C752-46CD-B847-6227E12A3A25}" dt="2021-03-08T16:01:02.662" v="834" actId="1076"/>
+        <pc:sldMkLst>
+          <pc:docMk/>
+          <pc:sldMk cId="835484680" sldId="286"/>
+        </pc:sldMkLst>
+        <pc:spChg chg="del">
+          <ac:chgData name="donal maher" userId="ac174c4a849ab62f" providerId="LiveId" clId="{EBC69FB6-C752-46CD-B847-6227E12A3A25}" dt="2021-03-08T14:40:27.276" v="696"/>
+          <ac:spMkLst>
+            <pc:docMk/>
+            <pc:sldMk cId="835484680" sldId="286"/>
+            <ac:spMk id="2" creationId="{BEA8E1E2-E649-4F46-B878-587C89530691}"/>
+          </ac:spMkLst>
+        </pc:spChg>
+        <pc:spChg chg="del">
+          <ac:chgData name="donal maher" userId="ac174c4a849ab62f" providerId="LiveId" clId="{EBC69FB6-C752-46CD-B847-6227E12A3A25}" dt="2021-03-08T14:40:27.276" v="696"/>
+          <ac:spMkLst>
+            <pc:docMk/>
+            <pc:sldMk cId="835484680" sldId="286"/>
+            <ac:spMk id="3" creationId="{333F9C02-7298-4F6A-BD21-F82D5815FC5C}"/>
+          </ac:spMkLst>
+        </pc:spChg>
+        <pc:spChg chg="add mod">
+          <ac:chgData name="donal maher" userId="ac174c4a849ab62f" providerId="LiveId" clId="{EBC69FB6-C752-46CD-B847-6227E12A3A25}" dt="2021-03-08T16:01:02.662" v="834" actId="1076"/>
+          <ac:spMkLst>
+            <pc:docMk/>
+            <pc:sldMk cId="835484680" sldId="286"/>
+            <ac:spMk id="4" creationId="{FD51D41F-B93F-41BF-8154-A0C33E745192}"/>
+          </ac:spMkLst>
+        </pc:spChg>
+        <pc:spChg chg="add del mod">
+          <ac:chgData name="donal maher" userId="ac174c4a849ab62f" providerId="LiveId" clId="{EBC69FB6-C752-46CD-B847-6227E12A3A25}" dt="2021-03-08T14:40:40.753" v="697"/>
+          <ac:spMkLst>
+            <pc:docMk/>
+            <pc:sldMk cId="835484680" sldId="286"/>
+            <ac:spMk id="5" creationId="{4D3AA3DB-733F-475A-992E-D5F2CF6FFE7F}"/>
+          </ac:spMkLst>
+        </pc:spChg>
+        <pc:spChg chg="add">
+          <ac:chgData name="donal maher" userId="ac174c4a849ab62f" providerId="LiveId" clId="{EBC69FB6-C752-46CD-B847-6227E12A3A25}" dt="2021-03-08T14:40:45.433" v="698" actId="26606"/>
+          <ac:spMkLst>
+            <pc:docMk/>
+            <pc:sldMk cId="835484680" sldId="286"/>
+            <ac:spMk id="11" creationId="{A4AC5506-6312-4701-8D3C-40187889A947}"/>
+          </ac:spMkLst>
+        </pc:spChg>
+        <pc:picChg chg="add mod">
+          <ac:chgData name="donal maher" userId="ac174c4a849ab62f" providerId="LiveId" clId="{EBC69FB6-C752-46CD-B847-6227E12A3A25}" dt="2021-03-08T14:40:45.433" v="698" actId="26606"/>
+          <ac:picMkLst>
+            <pc:docMk/>
+            <pc:sldMk cId="835484680" sldId="286"/>
+            <ac:picMk id="6" creationId="{4FE6A635-69BD-4C38-9323-C96E22BB6C5E}"/>
+          </ac:picMkLst>
+        </pc:picChg>
+      </pc:sldChg>
+      <pc:sldChg chg="addSp delSp modSp new mod modNotesTx">
+        <pc:chgData name="donal maher" userId="ac174c4a849ab62f" providerId="LiveId" clId="{EBC69FB6-C752-46CD-B847-6227E12A3A25}" dt="2021-03-08T16:01:32.402" v="886" actId="20577"/>
+        <pc:sldMkLst>
+          <pc:docMk/>
+          <pc:sldMk cId="4186755201" sldId="287"/>
+        </pc:sldMkLst>
+        <pc:spChg chg="del">
+          <ac:chgData name="donal maher" userId="ac174c4a849ab62f" providerId="LiveId" clId="{EBC69FB6-C752-46CD-B847-6227E12A3A25}" dt="2021-03-08T16:01:05.505" v="835"/>
+          <ac:spMkLst>
+            <pc:docMk/>
+            <pc:sldMk cId="4186755201" sldId="287"/>
+            <ac:spMk id="2" creationId="{71D2A0DB-590D-4CB7-B31A-B60C04A20D42}"/>
+          </ac:spMkLst>
+        </pc:spChg>
+        <pc:spChg chg="del">
+          <ac:chgData name="donal maher" userId="ac174c4a849ab62f" providerId="LiveId" clId="{EBC69FB6-C752-46CD-B847-6227E12A3A25}" dt="2021-03-08T16:00:45.387" v="830"/>
+          <ac:spMkLst>
+            <pc:docMk/>
+            <pc:sldMk cId="4186755201" sldId="287"/>
+            <ac:spMk id="3" creationId="{BB61FFE6-0F95-410E-BB84-CBB69CF17CC5}"/>
+          </ac:spMkLst>
+        </pc:spChg>
+        <pc:spChg chg="add mod">
+          <ac:chgData name="donal maher" userId="ac174c4a849ab62f" providerId="LiveId" clId="{EBC69FB6-C752-46CD-B847-6227E12A3A25}" dt="2021-03-08T16:01:10.997" v="845" actId="20577"/>
+          <ac:spMkLst>
+            <pc:docMk/>
+            <pc:sldMk cId="4186755201" sldId="287"/>
+            <ac:spMk id="5" creationId="{EDE9880A-2C87-4E4C-8C65-4674684ECD9C}"/>
+          </ac:spMkLst>
+        </pc:spChg>
+        <pc:picChg chg="add mod">
+          <ac:chgData name="donal maher" userId="ac174c4a849ab62f" providerId="LiveId" clId="{EBC69FB6-C752-46CD-B847-6227E12A3A25}" dt="2021-03-08T16:00:52.750" v="832" actId="14100"/>
+          <ac:picMkLst>
+            <pc:docMk/>
+            <pc:sldMk cId="4186755201" sldId="287"/>
+            <ac:picMk id="4" creationId="{7C3D6BBC-0D2F-4694-B2CF-4A3AE487B746}"/>
+          </ac:picMkLst>
+        </pc:picChg>
+      </pc:sldChg>
+    </pc:docChg>
+  </pc:docChgLst>
+</pc:chgInfo>
 </file>
 
 <file path=ppt/notesMasters/notesMaster1.xml><?xml version="1.0" encoding="utf-8"?>
@@ -296,7 +426,7 @@
           <a:p>
             <a:fld id="{C412F2C8-A9D9-460D-AC52-19FAFDA6B3CD}" type="datetimeFigureOut">
               <a:rPr lang="en-IE" smtClean="0"/>
-              <a:t>07/03/2021</a:t>
+              <a:t>08/03/2021</a:t>
             </a:fld>
             <a:endParaRPr lang="en-IE"/>
           </a:p>
@@ -564,6 +694,453 @@
 </p:notesMaster>
 </file>
 
+<file path=ppt/notesSlides/notesSlide1.xml><?xml version="1.0" encoding="utf-8"?>
+<p:notes xmlns:a="http://schemas.openxmlformats.org/drawingml/2006/main" xmlns:r="http://schemas.openxmlformats.org/officeDocument/2006/relationships" xmlns:p="http://schemas.openxmlformats.org/presentationml/2006/main">
+  <p:cSld>
+    <p:spTree>
+      <p:nvGrpSpPr>
+        <p:cNvPr id="1" name=""/>
+        <p:cNvGrpSpPr/>
+        <p:nvPr/>
+      </p:nvGrpSpPr>
+      <p:grpSpPr>
+        <a:xfrm>
+          <a:off x="0" y="0"/>
+          <a:ext cx="0" cy="0"/>
+          <a:chOff x="0" y="0"/>
+          <a:chExt cx="0" cy="0"/>
+        </a:xfrm>
+      </p:grpSpPr>
+      <p:sp>
+        <p:nvSpPr>
+          <p:cNvPr id="2" name="Slide Image Placeholder 1"/>
+          <p:cNvSpPr>
+            <a:spLocks noGrp="1" noRot="1" noChangeAspect="1"/>
+          </p:cNvSpPr>
+          <p:nvPr>
+            <p:ph type="sldImg"/>
+          </p:nvPr>
+        </p:nvSpPr>
+        <p:spPr/>
+      </p:sp>
+      <p:sp>
+        <p:nvSpPr>
+          <p:cNvPr id="3" name="Notes Placeholder 2"/>
+          <p:cNvSpPr>
+            <a:spLocks noGrp="1"/>
+          </p:cNvSpPr>
+          <p:nvPr>
+            <p:ph type="body" idx="1"/>
+          </p:nvPr>
+        </p:nvSpPr>
+        <p:spPr/>
+        <p:txBody>
+          <a:bodyPr/>
+          <a:lstStyle/>
+          <a:p>
+            <a:pPr marL="0" marR="0" lvl="0" indent="0" algn="l" defTabSz="914400" rtl="0" eaLnBrk="1" fontAlgn="auto" latinLnBrk="0" hangingPunct="1">
+              <a:lnSpc>
+                <a:spcPct val="100000"/>
+              </a:lnSpc>
+              <a:spcBef>
+                <a:spcPts val="0"/>
+              </a:spcBef>
+              <a:spcAft>
+                <a:spcPts val="0"/>
+              </a:spcAft>
+              <a:buClrTx/>
+              <a:buSzTx/>
+              <a:buFontTx/>
+              <a:buNone/>
+              <a:tabLst/>
+              <a:defRPr/>
+            </a:pPr>
+            <a:r>
+              <a:rPr lang="en-US" dirty="0"/>
+              <a:t>Q. </a:t>
+            </a:r>
+            <a:r>
+              <a:rPr lang="en-US" dirty="0">
+                <a:solidFill>
+                  <a:schemeClr val="accent2"/>
+                </a:solidFill>
+              </a:rPr>
+              <a:t>Which company has maximum cab users at a particular time period?</a:t>
+            </a:r>
+          </a:p>
+          <a:p>
+            <a:r>
+              <a:rPr lang="en-IE" dirty="0"/>
+              <a:t>The slide above shows both companies users over per month over three years. The busiest month of each year for each company is December. </a:t>
+            </a:r>
+          </a:p>
+          <a:p>
+            <a:r>
+              <a:rPr lang="en-IE" dirty="0"/>
+              <a:t>The yellow cab company in 2016 1.88 billon users, 2017 2.29 billion users and in 2018 just over 2 billion users.  </a:t>
+            </a:r>
+          </a:p>
+          <a:p>
+            <a:r>
+              <a:rPr lang="en-IE" dirty="0"/>
+              <a:t>The  pink cab company in 2016 0.47 billion users, 2017 0.57 billion users and 2018 0.51 billion users. </a:t>
+            </a:r>
+          </a:p>
+        </p:txBody>
+      </p:sp>
+      <p:sp>
+        <p:nvSpPr>
+          <p:cNvPr id="4" name="Slide Number Placeholder 3"/>
+          <p:cNvSpPr>
+            <a:spLocks noGrp="1"/>
+          </p:cNvSpPr>
+          <p:nvPr>
+            <p:ph type="sldNum" sz="quarter" idx="5"/>
+          </p:nvPr>
+        </p:nvSpPr>
+        <p:spPr/>
+        <p:txBody>
+          <a:bodyPr/>
+          <a:lstStyle/>
+          <a:p>
+            <a:fld id="{EF81C989-2F4A-4F13-AEC0-C397DBA48E0D}" type="slidenum">
+              <a:rPr lang="en-IE" smtClean="0"/>
+              <a:t>6</a:t>
+            </a:fld>
+            <a:endParaRPr lang="en-IE"/>
+          </a:p>
+        </p:txBody>
+      </p:sp>
+    </p:spTree>
+    <p:extLst>
+      <p:ext uri="{BB962C8B-B14F-4D97-AF65-F5344CB8AC3E}">
+        <p14:creationId xmlns:p14="http://schemas.microsoft.com/office/powerpoint/2010/main" val="3210510457"/>
+      </p:ext>
+    </p:extLst>
+  </p:cSld>
+  <p:clrMapOvr>
+    <a:masterClrMapping/>
+  </p:clrMapOvr>
+</p:notes>
+</file>
+
+<file path=ppt/notesSlides/notesSlide2.xml><?xml version="1.0" encoding="utf-8"?>
+<p:notes xmlns:a="http://schemas.openxmlformats.org/drawingml/2006/main" xmlns:r="http://schemas.openxmlformats.org/officeDocument/2006/relationships" xmlns:p="http://schemas.openxmlformats.org/presentationml/2006/main">
+  <p:cSld>
+    <p:spTree>
+      <p:nvGrpSpPr>
+        <p:cNvPr id="1" name=""/>
+        <p:cNvGrpSpPr/>
+        <p:nvPr/>
+      </p:nvGrpSpPr>
+      <p:grpSpPr>
+        <a:xfrm>
+          <a:off x="0" y="0"/>
+          <a:ext cx="0" cy="0"/>
+          <a:chOff x="0" y="0"/>
+          <a:chExt cx="0" cy="0"/>
+        </a:xfrm>
+      </p:grpSpPr>
+      <p:sp>
+        <p:nvSpPr>
+          <p:cNvPr id="2" name="Slide Image Placeholder 1"/>
+          <p:cNvSpPr>
+            <a:spLocks noGrp="1" noRot="1" noChangeAspect="1"/>
+          </p:cNvSpPr>
+          <p:nvPr>
+            <p:ph type="sldImg"/>
+          </p:nvPr>
+        </p:nvSpPr>
+        <p:spPr/>
+      </p:sp>
+      <p:sp>
+        <p:nvSpPr>
+          <p:cNvPr id="3" name="Notes Placeholder 2"/>
+          <p:cNvSpPr>
+            <a:spLocks noGrp="1"/>
+          </p:cNvSpPr>
+          <p:nvPr>
+            <p:ph type="body" idx="1"/>
+          </p:nvPr>
+        </p:nvSpPr>
+        <p:spPr/>
+        <p:txBody>
+          <a:bodyPr/>
+          <a:lstStyle/>
+          <a:p>
+            <a:r>
+              <a:rPr lang="en-US" dirty="0"/>
+              <a:t>The graph here shows that Users of yellow cab affect yellow cab profits</a:t>
+            </a:r>
+            <a:endParaRPr lang="en-IE" dirty="0"/>
+          </a:p>
+        </p:txBody>
+      </p:sp>
+      <p:sp>
+        <p:nvSpPr>
+          <p:cNvPr id="4" name="Slide Number Placeholder 3"/>
+          <p:cNvSpPr>
+            <a:spLocks noGrp="1"/>
+          </p:cNvSpPr>
+          <p:nvPr>
+            <p:ph type="sldNum" sz="quarter" idx="5"/>
+          </p:nvPr>
+        </p:nvSpPr>
+        <p:spPr/>
+        <p:txBody>
+          <a:bodyPr/>
+          <a:lstStyle/>
+          <a:p>
+            <a:fld id="{EF81C989-2F4A-4F13-AEC0-C397DBA48E0D}" type="slidenum">
+              <a:rPr lang="en-IE" smtClean="0"/>
+              <a:t>7</a:t>
+            </a:fld>
+            <a:endParaRPr lang="en-IE"/>
+          </a:p>
+        </p:txBody>
+      </p:sp>
+    </p:spTree>
+    <p:extLst>
+      <p:ext uri="{BB962C8B-B14F-4D97-AF65-F5344CB8AC3E}">
+        <p14:creationId xmlns:p14="http://schemas.microsoft.com/office/powerpoint/2010/main" val="2337898853"/>
+      </p:ext>
+    </p:extLst>
+  </p:cSld>
+  <p:clrMapOvr>
+    <a:masterClrMapping/>
+  </p:clrMapOvr>
+</p:notes>
+</file>
+
+<file path=ppt/notesSlides/notesSlide3.xml><?xml version="1.0" encoding="utf-8"?>
+<p:notes xmlns:a="http://schemas.openxmlformats.org/drawingml/2006/main" xmlns:r="http://schemas.openxmlformats.org/officeDocument/2006/relationships" xmlns:p="http://schemas.openxmlformats.org/presentationml/2006/main">
+  <p:cSld>
+    <p:spTree>
+      <p:nvGrpSpPr>
+        <p:cNvPr id="1" name=""/>
+        <p:cNvGrpSpPr/>
+        <p:nvPr/>
+      </p:nvGrpSpPr>
+      <p:grpSpPr>
+        <a:xfrm>
+          <a:off x="0" y="0"/>
+          <a:ext cx="0" cy="0"/>
+          <a:chOff x="0" y="0"/>
+          <a:chExt cx="0" cy="0"/>
+        </a:xfrm>
+      </p:grpSpPr>
+      <p:sp>
+        <p:nvSpPr>
+          <p:cNvPr id="2" name="Slide Image Placeholder 1"/>
+          <p:cNvSpPr>
+            <a:spLocks noGrp="1" noRot="1" noChangeAspect="1"/>
+          </p:cNvSpPr>
+          <p:nvPr>
+            <p:ph type="sldImg"/>
+          </p:nvPr>
+        </p:nvSpPr>
+        <p:spPr/>
+      </p:sp>
+      <p:sp>
+        <p:nvSpPr>
+          <p:cNvPr id="3" name="Notes Placeholder 2"/>
+          <p:cNvSpPr>
+            <a:spLocks noGrp="1"/>
+          </p:cNvSpPr>
+          <p:nvPr>
+            <p:ph type="body" idx="1"/>
+          </p:nvPr>
+        </p:nvSpPr>
+        <p:spPr/>
+        <p:txBody>
+          <a:bodyPr/>
+          <a:lstStyle/>
+          <a:p>
+            <a:r>
+              <a:rPr lang="en-US" dirty="0"/>
+              <a:t>Pink cab profit is also affected by users</a:t>
+            </a:r>
+            <a:endParaRPr lang="en-IE" dirty="0"/>
+          </a:p>
+        </p:txBody>
+      </p:sp>
+      <p:sp>
+        <p:nvSpPr>
+          <p:cNvPr id="4" name="Slide Number Placeholder 3"/>
+          <p:cNvSpPr>
+            <a:spLocks noGrp="1"/>
+          </p:cNvSpPr>
+          <p:nvPr>
+            <p:ph type="sldNum" sz="quarter" idx="5"/>
+          </p:nvPr>
+        </p:nvSpPr>
+        <p:spPr/>
+        <p:txBody>
+          <a:bodyPr/>
+          <a:lstStyle/>
+          <a:p>
+            <a:fld id="{EF81C989-2F4A-4F13-AEC0-C397DBA48E0D}" type="slidenum">
+              <a:rPr lang="en-IE" smtClean="0"/>
+              <a:t>8</a:t>
+            </a:fld>
+            <a:endParaRPr lang="en-IE"/>
+          </a:p>
+        </p:txBody>
+      </p:sp>
+    </p:spTree>
+    <p:extLst>
+      <p:ext uri="{BB962C8B-B14F-4D97-AF65-F5344CB8AC3E}">
+        <p14:creationId xmlns:p14="http://schemas.microsoft.com/office/powerpoint/2010/main" val="2807231984"/>
+      </p:ext>
+    </p:extLst>
+  </p:cSld>
+  <p:clrMapOvr>
+    <a:masterClrMapping/>
+  </p:clrMapOvr>
+</p:notes>
+</file>
+
+<file path=ppt/notesSlides/notesSlide4.xml><?xml version="1.0" encoding="utf-8"?>
+<p:notes xmlns:a="http://schemas.openxmlformats.org/drawingml/2006/main" xmlns:r="http://schemas.openxmlformats.org/officeDocument/2006/relationships" xmlns:p="http://schemas.openxmlformats.org/presentationml/2006/main">
+  <p:cSld>
+    <p:spTree>
+      <p:nvGrpSpPr>
+        <p:cNvPr id="1" name=""/>
+        <p:cNvGrpSpPr/>
+        <p:nvPr/>
+      </p:nvGrpSpPr>
+      <p:grpSpPr>
+        <a:xfrm>
+          <a:off x="0" y="0"/>
+          <a:ext cx="0" cy="0"/>
+          <a:chOff x="0" y="0"/>
+          <a:chExt cx="0" cy="0"/>
+        </a:xfrm>
+      </p:grpSpPr>
+      <p:sp>
+        <p:nvSpPr>
+          <p:cNvPr id="2" name="Slide Image Placeholder 1"/>
+          <p:cNvSpPr>
+            <a:spLocks noGrp="1" noRot="1" noChangeAspect="1"/>
+          </p:cNvSpPr>
+          <p:nvPr>
+            <p:ph type="sldImg"/>
+          </p:nvPr>
+        </p:nvSpPr>
+        <p:spPr/>
+      </p:sp>
+      <p:sp>
+        <p:nvSpPr>
+          <p:cNvPr id="3" name="Notes Placeholder 2"/>
+          <p:cNvSpPr>
+            <a:spLocks noGrp="1"/>
+          </p:cNvSpPr>
+          <p:nvPr>
+            <p:ph type="body" idx="1"/>
+          </p:nvPr>
+        </p:nvSpPr>
+        <p:spPr/>
+        <p:txBody>
+          <a:bodyPr/>
+          <a:lstStyle/>
+          <a:p>
+            <a:pPr marL="0" marR="0" lvl="0" indent="0" algn="l" defTabSz="914400" rtl="0" eaLnBrk="1" fontAlgn="auto" latinLnBrk="0" hangingPunct="1">
+              <a:lnSpc>
+                <a:spcPct val="100000"/>
+              </a:lnSpc>
+              <a:spcBef>
+                <a:spcPts val="0"/>
+              </a:spcBef>
+              <a:spcAft>
+                <a:spcPts val="0"/>
+              </a:spcAft>
+              <a:buClrTx/>
+              <a:buSzTx/>
+              <a:buFontTx/>
+              <a:buNone/>
+              <a:tabLst/>
+              <a:defRPr/>
+            </a:pPr>
+            <a:r>
+              <a:rPr lang="en-US" dirty="0">
+                <a:solidFill>
+                  <a:schemeClr val="accent2"/>
+                </a:solidFill>
+              </a:rPr>
+              <a:t>Does margin profit proportionally increase with increase in number of customers? Two slides. </a:t>
+            </a:r>
+          </a:p>
+          <a:p>
+            <a:pPr marL="0" marR="0" lvl="0" indent="0" algn="l" defTabSz="914400" rtl="0" eaLnBrk="1" fontAlgn="auto" latinLnBrk="0" hangingPunct="1">
+              <a:lnSpc>
+                <a:spcPct val="100000"/>
+              </a:lnSpc>
+              <a:spcBef>
+                <a:spcPts val="0"/>
+              </a:spcBef>
+              <a:spcAft>
+                <a:spcPts val="0"/>
+              </a:spcAft>
+              <a:buClrTx/>
+              <a:buSzTx/>
+              <a:buFontTx/>
+              <a:buNone/>
+              <a:tabLst/>
+              <a:defRPr/>
+            </a:pPr>
+            <a:r>
+              <a:rPr lang="en-US" dirty="0">
+                <a:solidFill>
+                  <a:schemeClr val="accent2"/>
+                </a:solidFill>
+              </a:rPr>
+              <a:t>This slide </a:t>
+            </a:r>
+          </a:p>
+          <a:p>
+            <a:r>
+              <a:rPr lang="en-IE" dirty="0"/>
+              <a:t>Graph the profit yearly against the users.</a:t>
+            </a:r>
+          </a:p>
+        </p:txBody>
+      </p:sp>
+      <p:sp>
+        <p:nvSpPr>
+          <p:cNvPr id="4" name="Slide Number Placeholder 3"/>
+          <p:cNvSpPr>
+            <a:spLocks noGrp="1"/>
+          </p:cNvSpPr>
+          <p:nvPr>
+            <p:ph type="sldNum" sz="quarter" idx="5"/>
+          </p:nvPr>
+        </p:nvSpPr>
+        <p:spPr/>
+        <p:txBody>
+          <a:bodyPr/>
+          <a:lstStyle/>
+          <a:p>
+            <a:fld id="{EF81C989-2F4A-4F13-AEC0-C397DBA48E0D}" type="slidenum">
+              <a:rPr lang="en-IE" smtClean="0"/>
+              <a:t>9</a:t>
+            </a:fld>
+            <a:endParaRPr lang="en-IE"/>
+          </a:p>
+        </p:txBody>
+      </p:sp>
+    </p:spTree>
+    <p:extLst>
+      <p:ext uri="{BB962C8B-B14F-4D97-AF65-F5344CB8AC3E}">
+        <p14:creationId xmlns:p14="http://schemas.microsoft.com/office/powerpoint/2010/main" val="4133544953"/>
+      </p:ext>
+    </p:extLst>
+  </p:cSld>
+  <p:clrMapOvr>
+    <a:masterClrMapping/>
+  </p:clrMapOvr>
+</p:notes>
+</file>
+
 <file path=ppt/slideLayouts/slideLayout1.xml><?xml version="1.0" encoding="utf-8"?>
 <p:sldLayout xmlns:a="http://schemas.openxmlformats.org/drawingml/2006/main" xmlns:r="http://schemas.openxmlformats.org/officeDocument/2006/relationships" xmlns:p="http://schemas.openxmlformats.org/presentationml/2006/main" type="title" preserve="1">
   <p:cSld name="Title Slide">
@@ -693,7 +1270,7 @@
           <a:p>
             <a:fld id="{C764DE79-268F-4C1A-8933-263129D2AF90}" type="datetimeFigureOut">
               <a:rPr lang="en-US" dirty="0"/>
-              <a:t>3/5/2021</a:t>
+              <a:t>3/8/2021</a:t>
             </a:fld>
             <a:endParaRPr lang="en-US"/>
           </a:p>
@@ -861,7 +1438,7 @@
           <a:p>
             <a:fld id="{C764DE79-268F-4C1A-8933-263129D2AF90}" type="datetimeFigureOut">
               <a:rPr lang="en-US" dirty="0"/>
-              <a:t>3/5/2021</a:t>
+              <a:t>3/8/2021</a:t>
             </a:fld>
             <a:endParaRPr lang="en-US"/>
           </a:p>
@@ -1039,7 +1616,7 @@
           <a:p>
             <a:fld id="{C764DE79-268F-4C1A-8933-263129D2AF90}" type="datetimeFigureOut">
               <a:rPr lang="en-US" dirty="0"/>
-              <a:t>3/5/2021</a:t>
+              <a:t>3/8/2021</a:t>
             </a:fld>
             <a:endParaRPr lang="en-US"/>
           </a:p>
@@ -1207,7 +1784,7 @@
           <a:p>
             <a:fld id="{C764DE79-268F-4C1A-8933-263129D2AF90}" type="datetimeFigureOut">
               <a:rPr lang="en-US" dirty="0"/>
-              <a:t>3/5/2021</a:t>
+              <a:t>3/8/2021</a:t>
             </a:fld>
             <a:endParaRPr lang="en-US"/>
           </a:p>
@@ -1452,7 +2029,7 @@
           <a:p>
             <a:fld id="{C764DE79-268F-4C1A-8933-263129D2AF90}" type="datetimeFigureOut">
               <a:rPr lang="en-US" dirty="0"/>
-              <a:t>3/5/2021</a:t>
+              <a:t>3/8/2021</a:t>
             </a:fld>
             <a:endParaRPr lang="en-US"/>
           </a:p>
@@ -1681,7 +2258,7 @@
           <a:p>
             <a:fld id="{C764DE79-268F-4C1A-8933-263129D2AF90}" type="datetimeFigureOut">
               <a:rPr lang="en-US" dirty="0"/>
-              <a:t>3/5/2021</a:t>
+              <a:t>3/8/2021</a:t>
             </a:fld>
             <a:endParaRPr lang="en-US"/>
           </a:p>
@@ -2045,7 +2622,7 @@
           <a:p>
             <a:fld id="{C764DE79-268F-4C1A-8933-263129D2AF90}" type="datetimeFigureOut">
               <a:rPr lang="en-US" dirty="0"/>
-              <a:t>3/5/2021</a:t>
+              <a:t>3/8/2021</a:t>
             </a:fld>
             <a:endParaRPr lang="en-US"/>
           </a:p>
@@ -2162,7 +2739,7 @@
           <a:p>
             <a:fld id="{C764DE79-268F-4C1A-8933-263129D2AF90}" type="datetimeFigureOut">
               <a:rPr lang="en-US" dirty="0"/>
-              <a:t>3/5/2021</a:t>
+              <a:t>3/8/2021</a:t>
             </a:fld>
             <a:endParaRPr lang="en-US"/>
           </a:p>
@@ -2257,7 +2834,7 @@
           <a:p>
             <a:fld id="{C764DE79-268F-4C1A-8933-263129D2AF90}" type="datetimeFigureOut">
               <a:rPr lang="en-US" dirty="0"/>
-              <a:t>3/5/2021</a:t>
+              <a:t>3/8/2021</a:t>
             </a:fld>
             <a:endParaRPr lang="en-US"/>
           </a:p>
@@ -2532,7 +3109,7 @@
           <a:p>
             <a:fld id="{C764DE79-268F-4C1A-8933-263129D2AF90}" type="datetimeFigureOut">
               <a:rPr lang="en-US" dirty="0"/>
-              <a:t>3/5/2021</a:t>
+              <a:t>3/8/2021</a:t>
             </a:fld>
             <a:endParaRPr lang="en-US"/>
           </a:p>
@@ -2787,7 +3364,7 @@
           <a:p>
             <a:fld id="{C764DE79-268F-4C1A-8933-263129D2AF90}" type="datetimeFigureOut">
               <a:rPr lang="en-US" dirty="0"/>
-              <a:t>3/5/2021</a:t>
+              <a:t>3/8/2021</a:t>
             </a:fld>
             <a:endParaRPr lang="en-US"/>
           </a:p>
@@ -2998,7 +3575,7 @@
           <a:p>
             <a:fld id="{C764DE79-268F-4C1A-8933-263129D2AF90}" type="datetimeFigureOut">
               <a:rPr lang="en-US" dirty="0"/>
-              <a:t>3/5/2021</a:t>
+              <a:t>3/8/2021</a:t>
             </a:fld>
             <a:endParaRPr lang="en-US"/>
           </a:p>
@@ -3524,6 +4101,363 @@
 <file path=ppt/slides/slide10.xml><?xml version="1.0" encoding="utf-8"?>
 <p:sld xmlns:a="http://schemas.openxmlformats.org/drawingml/2006/main" xmlns:r="http://schemas.openxmlformats.org/officeDocument/2006/relationships" xmlns:p="http://schemas.openxmlformats.org/presentationml/2006/main">
   <p:cSld>
+    <p:bg>
+      <p:bgPr>
+        <a:solidFill>
+          <a:schemeClr val="bg1"/>
+        </a:solidFill>
+        <a:effectLst/>
+      </p:bgPr>
+    </p:bg>
+    <p:spTree>
+      <p:nvGrpSpPr>
+        <p:cNvPr id="1" name=""/>
+        <p:cNvGrpSpPr/>
+        <p:nvPr/>
+      </p:nvGrpSpPr>
+      <p:grpSpPr>
+        <a:xfrm>
+          <a:off x="0" y="0"/>
+          <a:ext cx="0" cy="0"/>
+          <a:chOff x="0" y="0"/>
+          <a:chExt cx="0" cy="0"/>
+        </a:xfrm>
+      </p:grpSpPr>
+      <p:sp>
+        <p:nvSpPr>
+          <p:cNvPr id="14" name="Rectangle 13">
+            <a:extLst>
+              <a:ext uri="{FF2B5EF4-FFF2-40B4-BE49-F238E27FC236}">
+                <a16:creationId xmlns:a16="http://schemas.microsoft.com/office/drawing/2014/main" id="{A4AC5506-6312-4701-8D3C-40187889A947}"/>
+              </a:ext>
+              <a:ext uri="{C183D7F6-B498-43B3-948B-1728B52AA6E4}">
+                <adec:decorative xmlns:adec="http://schemas.microsoft.com/office/drawing/2017/decorative" val="1"/>
+              </a:ext>
+            </a:extLst>
+          </p:cNvPr>
+          <p:cNvSpPr>
+            <a:spLocks noGrp="1" noRot="1" noChangeAspect="1" noMove="1" noResize="1" noEditPoints="1" noAdjustHandles="1" noChangeArrowheads="1" noChangeShapeType="1" noTextEdit="1"/>
+          </p:cNvSpPr>
+          <p:nvPr>
+            <p:extLst>
+              <p:ext uri="{386F3935-93C4-4BCD-93E2-E3B085C9AB24}">
+                <p16:designElem xmlns:p16="http://schemas.microsoft.com/office/powerpoint/2015/main" val="1"/>
+              </p:ext>
+            </p:extLst>
+          </p:nvPr>
+        </p:nvSpPr>
+        <p:spPr>
+          <a:xfrm>
+            <a:off x="0" y="651752"/>
+            <a:ext cx="12192000" cy="736551"/>
+          </a:xfrm>
+          <a:prstGeom prst="rect">
+            <a:avLst/>
+          </a:prstGeom>
+          <a:solidFill>
+            <a:schemeClr val="tx1"/>
+          </a:solidFill>
+          <a:ln>
+            <a:noFill/>
+          </a:ln>
+        </p:spPr>
+        <p:style>
+          <a:lnRef idx="2">
+            <a:schemeClr val="accent1">
+              <a:shade val="50000"/>
+            </a:schemeClr>
+          </a:lnRef>
+          <a:fillRef idx="1">
+            <a:schemeClr val="accent1"/>
+          </a:fillRef>
+          <a:effectRef idx="0">
+            <a:schemeClr val="accent1"/>
+          </a:effectRef>
+          <a:fontRef idx="minor">
+            <a:schemeClr val="lt1"/>
+          </a:fontRef>
+        </p:style>
+        <p:txBody>
+          <a:bodyPr rtlCol="0" anchor="ctr"/>
+          <a:lstStyle/>
+          <a:p>
+            <a:pPr algn="ctr"/>
+            <a:endParaRPr lang="en-US"/>
+          </a:p>
+        </p:txBody>
+      </p:sp>
+      <p:sp>
+        <p:nvSpPr>
+          <p:cNvPr id="2" name="Title 1">
+            <a:extLst>
+              <a:ext uri="{FF2B5EF4-FFF2-40B4-BE49-F238E27FC236}">
+                <a16:creationId xmlns:a16="http://schemas.microsoft.com/office/drawing/2014/main" id="{C4E73F5E-6E00-445F-B52A-D02AEACFC4B9}"/>
+              </a:ext>
+            </a:extLst>
+          </p:cNvPr>
+          <p:cNvSpPr>
+            <a:spLocks noGrp="1"/>
+          </p:cNvSpPr>
+          <p:nvPr>
+            <p:ph type="title"/>
+          </p:nvPr>
+        </p:nvSpPr>
+        <p:spPr>
+          <a:xfrm>
+            <a:off x="556532" y="643467"/>
+            <a:ext cx="11210925" cy="744836"/>
+          </a:xfrm>
+        </p:spPr>
+        <p:txBody>
+          <a:bodyPr>
+            <a:normAutofit/>
+          </a:bodyPr>
+          <a:lstStyle/>
+          <a:p>
+            <a:pPr algn="ctr"/>
+            <a:r>
+              <a:rPr lang="en-US" sz="3200" dirty="0">
+                <a:solidFill>
+                  <a:schemeClr val="bg1"/>
+                </a:solidFill>
+              </a:rPr>
+              <a:t>Profit </a:t>
+            </a:r>
+            <a:endParaRPr lang="en-IE" sz="3200" dirty="0">
+              <a:solidFill>
+                <a:schemeClr val="bg1"/>
+              </a:solidFill>
+            </a:endParaRPr>
+          </a:p>
+        </p:txBody>
+      </p:sp>
+      <p:pic>
+        <p:nvPicPr>
+          <p:cNvPr id="4" name="Picture 3">
+            <a:extLst>
+              <a:ext uri="{FF2B5EF4-FFF2-40B4-BE49-F238E27FC236}">
+                <a16:creationId xmlns:a16="http://schemas.microsoft.com/office/drawing/2014/main" id="{67945736-3B8D-4197-9792-42D857977CEA}"/>
+              </a:ext>
+            </a:extLst>
+          </p:cNvPr>
+          <p:cNvPicPr>
+            <a:picLocks noChangeAspect="1"/>
+          </p:cNvPicPr>
+          <p:nvPr/>
+        </p:nvPicPr>
+        <p:blipFill>
+          <a:blip r:embed="rId2"/>
+          <a:stretch>
+            <a:fillRect/>
+          </a:stretch>
+        </p:blipFill>
+        <p:spPr>
+          <a:xfrm>
+            <a:off x="2307896" y="1675227"/>
+            <a:ext cx="7576207" cy="4394199"/>
+          </a:xfrm>
+          <a:prstGeom prst="rect">
+            <a:avLst/>
+          </a:prstGeom>
+        </p:spPr>
+      </p:pic>
+    </p:spTree>
+    <p:extLst>
+      <p:ext uri="{BB962C8B-B14F-4D97-AF65-F5344CB8AC3E}">
+        <p14:creationId xmlns:p14="http://schemas.microsoft.com/office/powerpoint/2010/main" val="765839306"/>
+      </p:ext>
+    </p:extLst>
+  </p:cSld>
+  <p:clrMapOvr>
+    <a:masterClrMapping/>
+  </p:clrMapOvr>
+</p:sld>
+</file>
+
+<file path=ppt/slides/slide11.xml><?xml version="1.0" encoding="utf-8"?>
+<p:sld xmlns:a="http://schemas.openxmlformats.org/drawingml/2006/main" xmlns:r="http://schemas.openxmlformats.org/officeDocument/2006/relationships" xmlns:p="http://schemas.openxmlformats.org/presentationml/2006/main">
+  <p:cSld>
+    <p:bg>
+      <p:bgPr>
+        <a:solidFill>
+          <a:schemeClr val="bg1"/>
+        </a:solidFill>
+        <a:effectLst/>
+      </p:bgPr>
+    </p:bg>
+    <p:spTree>
+      <p:nvGrpSpPr>
+        <p:cNvPr id="1" name=""/>
+        <p:cNvGrpSpPr/>
+        <p:nvPr/>
+      </p:nvGrpSpPr>
+      <p:grpSpPr>
+        <a:xfrm>
+          <a:off x="0" y="0"/>
+          <a:ext cx="0" cy="0"/>
+          <a:chOff x="0" y="0"/>
+          <a:chExt cx="0" cy="0"/>
+        </a:xfrm>
+      </p:grpSpPr>
+      <p:sp>
+        <p:nvSpPr>
+          <p:cNvPr id="8" name="Rectangle 7">
+            <a:extLst>
+              <a:ext uri="{FF2B5EF4-FFF2-40B4-BE49-F238E27FC236}">
+                <a16:creationId xmlns:a16="http://schemas.microsoft.com/office/drawing/2014/main" id="{A4AC5506-6312-4701-8D3C-40187889A947}"/>
+              </a:ext>
+              <a:ext uri="{C183D7F6-B498-43B3-948B-1728B52AA6E4}">
+                <adec:decorative xmlns:adec="http://schemas.microsoft.com/office/drawing/2017/decorative" val="1"/>
+              </a:ext>
+            </a:extLst>
+          </p:cNvPr>
+          <p:cNvSpPr>
+            <a:spLocks noGrp="1" noRot="1" noChangeAspect="1" noMove="1" noResize="1" noEditPoints="1" noAdjustHandles="1" noChangeArrowheads="1" noChangeShapeType="1" noTextEdit="1"/>
+          </p:cNvSpPr>
+          <p:nvPr>
+            <p:extLst>
+              <p:ext uri="{386F3935-93C4-4BCD-93E2-E3B085C9AB24}">
+                <p16:designElem xmlns:p16="http://schemas.microsoft.com/office/powerpoint/2015/main" val="1"/>
+              </p:ext>
+            </p:extLst>
+          </p:nvPr>
+        </p:nvSpPr>
+        <p:spPr>
+          <a:xfrm>
+            <a:off x="0" y="651752"/>
+            <a:ext cx="12192000" cy="736551"/>
+          </a:xfrm>
+          <a:prstGeom prst="rect">
+            <a:avLst/>
+          </a:prstGeom>
+          <a:solidFill>
+            <a:schemeClr val="tx1"/>
+          </a:solidFill>
+          <a:ln>
+            <a:noFill/>
+          </a:ln>
+        </p:spPr>
+        <p:style>
+          <a:lnRef idx="2">
+            <a:schemeClr val="accent1">
+              <a:shade val="50000"/>
+            </a:schemeClr>
+          </a:lnRef>
+          <a:fillRef idx="1">
+            <a:schemeClr val="accent1"/>
+          </a:fillRef>
+          <a:effectRef idx="0">
+            <a:schemeClr val="accent1"/>
+          </a:effectRef>
+          <a:fontRef idx="minor">
+            <a:schemeClr val="lt1"/>
+          </a:fontRef>
+        </p:style>
+        <p:txBody>
+          <a:bodyPr rtlCol="0" anchor="ctr"/>
+          <a:lstStyle/>
+          <a:p>
+            <a:pPr algn="ctr"/>
+            <a:endParaRPr lang="en-US"/>
+          </a:p>
+        </p:txBody>
+      </p:sp>
+      <p:sp>
+        <p:nvSpPr>
+          <p:cNvPr id="2" name="Title 1">
+            <a:extLst>
+              <a:ext uri="{FF2B5EF4-FFF2-40B4-BE49-F238E27FC236}">
+                <a16:creationId xmlns:a16="http://schemas.microsoft.com/office/drawing/2014/main" id="{3E675E77-20FA-45A0-AC4B-4DCF633A2070}"/>
+              </a:ext>
+            </a:extLst>
+          </p:cNvPr>
+          <p:cNvSpPr>
+            <a:spLocks noGrp="1"/>
+          </p:cNvSpPr>
+          <p:nvPr>
+            <p:ph type="title"/>
+          </p:nvPr>
+        </p:nvSpPr>
+        <p:spPr>
+          <a:xfrm>
+            <a:off x="0" y="0"/>
+            <a:ext cx="12304295" cy="1106905"/>
+          </a:xfrm>
+          <a:solidFill>
+            <a:schemeClr val="tx1"/>
+          </a:solidFill>
+        </p:spPr>
+        <p:txBody>
+          <a:bodyPr>
+            <a:normAutofit/>
+          </a:bodyPr>
+          <a:lstStyle/>
+          <a:p>
+            <a:pPr algn="ctr"/>
+            <a:r>
+              <a:rPr lang="en-US" sz="3200" dirty="0">
+                <a:solidFill>
+                  <a:schemeClr val="accent2"/>
+                </a:solidFill>
+              </a:rPr>
+              <a:t>Preferred Payment method and Highest earning city</a:t>
+            </a:r>
+            <a:endParaRPr lang="en-IE" sz="3200" dirty="0">
+              <a:solidFill>
+                <a:schemeClr val="accent2"/>
+              </a:solidFill>
+            </a:endParaRPr>
+          </a:p>
+        </p:txBody>
+      </p:sp>
+      <p:pic>
+        <p:nvPicPr>
+          <p:cNvPr id="6" name="Picture" title="This slide contains the following visuals: clusteredBarChart, pieChart, actionButton, treemap. Please refer to the notes on this slide for details.">
+            <a:hlinkClick r:id="rId2"/>
+            <a:extLst>
+              <a:ext uri="{FF2B5EF4-FFF2-40B4-BE49-F238E27FC236}">
+                <a16:creationId xmlns:a16="http://schemas.microsoft.com/office/drawing/2014/main" id="{CEB20059-7194-4DF8-BABE-BE216AF2EDEF}"/>
+              </a:ext>
+            </a:extLst>
+          </p:cNvPr>
+          <p:cNvPicPr>
+            <a:picLocks noChangeAspect="1"/>
+          </p:cNvPicPr>
+          <p:nvPr/>
+        </p:nvPicPr>
+        <p:blipFill>
+          <a:blip r:embed="rId3"/>
+          <a:stretch>
+            <a:fillRect/>
+          </a:stretch>
+        </p:blipFill>
+        <p:spPr>
+          <a:xfrm>
+            <a:off x="0" y="1130968"/>
+            <a:ext cx="12192000" cy="5751095"/>
+          </a:xfrm>
+          <a:prstGeom prst="rect">
+            <a:avLst/>
+          </a:prstGeom>
+          <a:noFill/>
+        </p:spPr>
+      </p:pic>
+    </p:spTree>
+    <p:extLst>
+      <p:ext uri="{BB962C8B-B14F-4D97-AF65-F5344CB8AC3E}">
+        <p14:creationId xmlns:p14="http://schemas.microsoft.com/office/powerpoint/2010/main" val="2528033368"/>
+      </p:ext>
+    </p:extLst>
+  </p:cSld>
+  <p:clrMapOvr>
+    <a:masterClrMapping/>
+  </p:clrMapOvr>
+</p:sld>
+</file>
+
+<file path=ppt/slides/slide12.xml><?xml version="1.0" encoding="utf-8"?>
+<p:sld xmlns:a="http://schemas.openxmlformats.org/drawingml/2006/main" xmlns:r="http://schemas.openxmlformats.org/officeDocument/2006/relationships" xmlns:p="http://schemas.openxmlformats.org/presentationml/2006/main">
+  <p:cSld>
     <p:spTree>
       <p:nvGrpSpPr>
         <p:cNvPr id="1" name=""/>
@@ -3631,7 +4565,7 @@
 </p:sld>
 </file>
 
-<file path=ppt/slides/slide11.xml><?xml version="1.0" encoding="utf-8"?>
+<file path=ppt/slides/slide13.xml><?xml version="1.0" encoding="utf-8"?>
 <p:sld xmlns:a="http://schemas.openxmlformats.org/drawingml/2006/main" xmlns:r="http://schemas.openxmlformats.org/officeDocument/2006/relationships" xmlns:p="http://schemas.openxmlformats.org/presentationml/2006/main">
   <p:cSld>
     <p:bg>
@@ -3810,7 +4744,7 @@
 </p:sld>
 </file>
 
-<file path=ppt/slides/slide12.xml><?xml version="1.0" encoding="utf-8"?>
+<file path=ppt/slides/slide14.xml><?xml version="1.0" encoding="utf-8"?>
 <p:sld xmlns:a="http://schemas.openxmlformats.org/drawingml/2006/main" xmlns:r="http://schemas.openxmlformats.org/officeDocument/2006/relationships" xmlns:p="http://schemas.openxmlformats.org/presentationml/2006/main">
   <p:cSld>
     <p:bg>
@@ -3991,7 +4925,7 @@
 </p:sld>
 </file>
 
-<file path=ppt/slides/slide13.xml><?xml version="1.0" encoding="utf-8"?>
+<file path=ppt/slides/slide15.xml><?xml version="1.0" encoding="utf-8"?>
 <p:sld xmlns:a="http://schemas.openxmlformats.org/drawingml/2006/main" xmlns:r="http://schemas.openxmlformats.org/officeDocument/2006/relationships" xmlns:p="http://schemas.openxmlformats.org/presentationml/2006/main">
   <p:cSld>
     <p:bg>
@@ -4172,7 +5106,7 @@
 </p:sld>
 </file>
 
-<file path=ppt/slides/slide14.xml><?xml version="1.0" encoding="utf-8"?>
+<file path=ppt/slides/slide16.xml><?xml version="1.0" encoding="utf-8"?>
 <p:sld xmlns:a="http://schemas.openxmlformats.org/drawingml/2006/main" xmlns:r="http://schemas.openxmlformats.org/officeDocument/2006/relationships" xmlns:p="http://schemas.openxmlformats.org/presentationml/2006/main">
   <p:cSld>
     <p:spTree>
@@ -4301,7 +5235,7 @@
 </p:sld>
 </file>
 
-<file path=ppt/slides/slide15.xml><?xml version="1.0" encoding="utf-8"?>
+<file path=ppt/slides/slide17.xml><?xml version="1.0" encoding="utf-8"?>
 <p:sld xmlns:a="http://schemas.openxmlformats.org/drawingml/2006/main" xmlns:r="http://schemas.openxmlformats.org/officeDocument/2006/relationships" xmlns:p="http://schemas.openxmlformats.org/presentationml/2006/main">
   <p:cSld>
     <p:spTree>
@@ -4430,7 +5364,7 @@
 </p:sld>
 </file>
 
-<file path=ppt/slides/slide16.xml><?xml version="1.0" encoding="utf-8"?>
+<file path=ppt/slides/slide18.xml><?xml version="1.0" encoding="utf-8"?>
 <p:sld xmlns:a="http://schemas.openxmlformats.org/drawingml/2006/main" xmlns:r="http://schemas.openxmlformats.org/officeDocument/2006/relationships" xmlns:p="http://schemas.openxmlformats.org/presentationml/2006/main">
   <p:cSld>
     <p:spTree>
@@ -4517,7 +5451,7 @@
 </p:sld>
 </file>
 
-<file path=ppt/slides/slide17.xml><?xml version="1.0" encoding="utf-8"?>
+<file path=ppt/slides/slide19.xml><?xml version="1.0" encoding="utf-8"?>
 <p:sld xmlns:a="http://schemas.openxmlformats.org/drawingml/2006/main" xmlns:r="http://schemas.openxmlformats.org/officeDocument/2006/relationships" xmlns:p="http://schemas.openxmlformats.org/presentationml/2006/main">
   <p:cSld>
     <p:spTree>
@@ -4625,195 +5559,6 @@
     <p:extLst>
       <p:ext uri="{BB962C8B-B14F-4D97-AF65-F5344CB8AC3E}">
         <p14:creationId xmlns:p14="http://schemas.microsoft.com/office/powerpoint/2010/main" val="2302439724"/>
-      </p:ext>
-    </p:extLst>
-  </p:cSld>
-  <p:clrMapOvr>
-    <a:masterClrMapping/>
-  </p:clrMapOvr>
-</p:sld>
-</file>
-
-<file path=ppt/slides/slide18.xml><?xml version="1.0" encoding="utf-8"?>
-<p:sld xmlns:a="http://schemas.openxmlformats.org/drawingml/2006/main" xmlns:r="http://schemas.openxmlformats.org/officeDocument/2006/relationships" xmlns:p="http://schemas.openxmlformats.org/presentationml/2006/main">
-  <p:cSld>
-    <p:spTree>
-      <p:nvGrpSpPr>
-        <p:cNvPr id="1" name=""/>
-        <p:cNvGrpSpPr/>
-        <p:nvPr/>
-      </p:nvGrpSpPr>
-      <p:grpSpPr>
-        <a:xfrm>
-          <a:off x="0" y="0"/>
-          <a:ext cx="0" cy="0"/>
-          <a:chOff x="0" y="0"/>
-          <a:chExt cx="0" cy="0"/>
-        </a:xfrm>
-      </p:grpSpPr>
-      <p:sp>
-        <p:nvSpPr>
-          <p:cNvPr id="2" name="Title 1">
-            <a:extLst>
-              <a:ext uri="{FF2B5EF4-FFF2-40B4-BE49-F238E27FC236}">
-                <a16:creationId xmlns:a16="http://schemas.microsoft.com/office/drawing/2014/main" id="{145D6F6E-BAB6-4A72-B467-B892926C816A}"/>
-              </a:ext>
-            </a:extLst>
-          </p:cNvPr>
-          <p:cNvSpPr>
-            <a:spLocks noGrp="1"/>
-          </p:cNvSpPr>
-          <p:nvPr>
-            <p:ph type="title"/>
-          </p:nvPr>
-        </p:nvSpPr>
-        <p:spPr/>
-        <p:txBody>
-          <a:bodyPr/>
-          <a:lstStyle/>
-          <a:p>
-            <a:r>
-              <a:rPr lang="en-US" dirty="0"/>
-              <a:t>Summary	</a:t>
-            </a:r>
-            <a:endParaRPr lang="en-IE" dirty="0"/>
-          </a:p>
-        </p:txBody>
-      </p:sp>
-      <p:sp>
-        <p:nvSpPr>
-          <p:cNvPr id="3" name="Content Placeholder 2">
-            <a:extLst>
-              <a:ext uri="{FF2B5EF4-FFF2-40B4-BE49-F238E27FC236}">
-                <a16:creationId xmlns:a16="http://schemas.microsoft.com/office/drawing/2014/main" id="{3EB0AFC5-50CC-4D5A-9127-C1ED674F1D2F}"/>
-              </a:ext>
-            </a:extLst>
-          </p:cNvPr>
-          <p:cNvSpPr>
-            <a:spLocks noGrp="1"/>
-          </p:cNvSpPr>
-          <p:nvPr>
-            <p:ph idx="1"/>
-          </p:nvPr>
-        </p:nvSpPr>
-        <p:spPr/>
-        <p:txBody>
-          <a:bodyPr/>
-          <a:lstStyle/>
-          <a:p>
-            <a:r>
-              <a:rPr lang="en-US" dirty="0"/>
-              <a:t>Yellow cab company is still  the most popularly cab company on USA.</a:t>
-            </a:r>
-          </a:p>
-          <a:p>
-            <a:r>
-              <a:rPr lang="en-US" dirty="0"/>
-              <a:t>While the yellow cab company has prediction marginal profitability for 2019</a:t>
-            </a:r>
-          </a:p>
-          <a:p>
-            <a:r>
-              <a:rPr lang="en-US" dirty="0"/>
-              <a:t>Pink cab company has the ability to expand and take a greater market share </a:t>
-            </a:r>
-          </a:p>
-        </p:txBody>
-      </p:sp>
-    </p:spTree>
-    <p:extLst>
-      <p:ext uri="{BB962C8B-B14F-4D97-AF65-F5344CB8AC3E}">
-        <p14:creationId xmlns:p14="http://schemas.microsoft.com/office/powerpoint/2010/main" val="2275645897"/>
-      </p:ext>
-    </p:extLst>
-  </p:cSld>
-  <p:clrMapOvr>
-    <a:masterClrMapping/>
-  </p:clrMapOvr>
-</p:sld>
-</file>
-
-<file path=ppt/slides/slide19.xml><?xml version="1.0" encoding="utf-8"?>
-<p:sld xmlns:a="http://schemas.openxmlformats.org/drawingml/2006/main" xmlns:r="http://schemas.openxmlformats.org/officeDocument/2006/relationships" xmlns:p="http://schemas.openxmlformats.org/presentationml/2006/main">
-  <p:cSld>
-    <p:spTree>
-      <p:nvGrpSpPr>
-        <p:cNvPr id="1" name=""/>
-        <p:cNvGrpSpPr/>
-        <p:nvPr/>
-      </p:nvGrpSpPr>
-      <p:grpSpPr>
-        <a:xfrm>
-          <a:off x="0" y="0"/>
-          <a:ext cx="0" cy="0"/>
-          <a:chOff x="0" y="0"/>
-          <a:chExt cx="0" cy="0"/>
-        </a:xfrm>
-      </p:grpSpPr>
-      <p:sp>
-        <p:nvSpPr>
-          <p:cNvPr id="2" name="Title 1">
-            <a:extLst>
-              <a:ext uri="{FF2B5EF4-FFF2-40B4-BE49-F238E27FC236}">
-                <a16:creationId xmlns:a16="http://schemas.microsoft.com/office/drawing/2014/main" id="{66BA2610-EEC0-4F96-8981-7CB9789CC8DB}"/>
-              </a:ext>
-            </a:extLst>
-          </p:cNvPr>
-          <p:cNvSpPr>
-            <a:spLocks noGrp="1"/>
-          </p:cNvSpPr>
-          <p:nvPr>
-            <p:ph type="title"/>
-          </p:nvPr>
-        </p:nvSpPr>
-        <p:spPr/>
-        <p:txBody>
-          <a:bodyPr/>
-          <a:lstStyle/>
-          <a:p>
-            <a:endParaRPr lang="en-IE"/>
-          </a:p>
-        </p:txBody>
-      </p:sp>
-      <p:sp>
-        <p:nvSpPr>
-          <p:cNvPr id="3" name="Content Placeholder 2">
-            <a:extLst>
-              <a:ext uri="{FF2B5EF4-FFF2-40B4-BE49-F238E27FC236}">
-                <a16:creationId xmlns:a16="http://schemas.microsoft.com/office/drawing/2014/main" id="{8727AE8D-5D01-40DE-8FFA-FB18F507B530}"/>
-              </a:ext>
-            </a:extLst>
-          </p:cNvPr>
-          <p:cNvSpPr>
-            <a:spLocks noGrp="1"/>
-          </p:cNvSpPr>
-          <p:nvPr>
-            <p:ph idx="1"/>
-          </p:nvPr>
-        </p:nvSpPr>
-        <p:spPr/>
-        <p:txBody>
-          <a:bodyPr/>
-          <a:lstStyle/>
-          <a:p>
-            <a:r>
-              <a:rPr lang="en-US" dirty="0"/>
-              <a:t>Investing in Pink cab company may give the best the return. </a:t>
-            </a:r>
-          </a:p>
-          <a:p>
-            <a:r>
-              <a:rPr lang="en-US" dirty="0"/>
-              <a:t>While yellow is a stable investment and can over time return a marginal investment . </a:t>
-            </a:r>
-            <a:endParaRPr lang="en-IE" dirty="0"/>
-          </a:p>
-        </p:txBody>
-      </p:sp>
-    </p:spTree>
-    <p:extLst>
-      <p:ext uri="{BB962C8B-B14F-4D97-AF65-F5344CB8AC3E}">
-        <p14:creationId xmlns:p14="http://schemas.microsoft.com/office/powerpoint/2010/main" val="1417963253"/>
       </p:ext>
     </p:extLst>
   </p:cSld>
@@ -5105,6 +5850,195 @@
           <p:cNvPr id="2" name="Title 1">
             <a:extLst>
               <a:ext uri="{FF2B5EF4-FFF2-40B4-BE49-F238E27FC236}">
+                <a16:creationId xmlns:a16="http://schemas.microsoft.com/office/drawing/2014/main" id="{145D6F6E-BAB6-4A72-B467-B892926C816A}"/>
+              </a:ext>
+            </a:extLst>
+          </p:cNvPr>
+          <p:cNvSpPr>
+            <a:spLocks noGrp="1"/>
+          </p:cNvSpPr>
+          <p:nvPr>
+            <p:ph type="title"/>
+          </p:nvPr>
+        </p:nvSpPr>
+        <p:spPr/>
+        <p:txBody>
+          <a:bodyPr/>
+          <a:lstStyle/>
+          <a:p>
+            <a:r>
+              <a:rPr lang="en-US" dirty="0"/>
+              <a:t>Summary	</a:t>
+            </a:r>
+            <a:endParaRPr lang="en-IE" dirty="0"/>
+          </a:p>
+        </p:txBody>
+      </p:sp>
+      <p:sp>
+        <p:nvSpPr>
+          <p:cNvPr id="3" name="Content Placeholder 2">
+            <a:extLst>
+              <a:ext uri="{FF2B5EF4-FFF2-40B4-BE49-F238E27FC236}">
+                <a16:creationId xmlns:a16="http://schemas.microsoft.com/office/drawing/2014/main" id="{3EB0AFC5-50CC-4D5A-9127-C1ED674F1D2F}"/>
+              </a:ext>
+            </a:extLst>
+          </p:cNvPr>
+          <p:cNvSpPr>
+            <a:spLocks noGrp="1"/>
+          </p:cNvSpPr>
+          <p:nvPr>
+            <p:ph idx="1"/>
+          </p:nvPr>
+        </p:nvSpPr>
+        <p:spPr/>
+        <p:txBody>
+          <a:bodyPr/>
+          <a:lstStyle/>
+          <a:p>
+            <a:r>
+              <a:rPr lang="en-US" dirty="0"/>
+              <a:t>Yellow cab company is still  the most popularly cab company on USA.</a:t>
+            </a:r>
+          </a:p>
+          <a:p>
+            <a:r>
+              <a:rPr lang="en-US" dirty="0"/>
+              <a:t>While the yellow cab company has prediction marginal profitability for 2019</a:t>
+            </a:r>
+          </a:p>
+          <a:p>
+            <a:r>
+              <a:rPr lang="en-US" dirty="0"/>
+              <a:t>Pink cab company has the ability to expand and take a greater market share </a:t>
+            </a:r>
+          </a:p>
+        </p:txBody>
+      </p:sp>
+    </p:spTree>
+    <p:extLst>
+      <p:ext uri="{BB962C8B-B14F-4D97-AF65-F5344CB8AC3E}">
+        <p14:creationId xmlns:p14="http://schemas.microsoft.com/office/powerpoint/2010/main" val="2275645897"/>
+      </p:ext>
+    </p:extLst>
+  </p:cSld>
+  <p:clrMapOvr>
+    <a:masterClrMapping/>
+  </p:clrMapOvr>
+</p:sld>
+</file>
+
+<file path=ppt/slides/slide21.xml><?xml version="1.0" encoding="utf-8"?>
+<p:sld xmlns:a="http://schemas.openxmlformats.org/drawingml/2006/main" xmlns:r="http://schemas.openxmlformats.org/officeDocument/2006/relationships" xmlns:p="http://schemas.openxmlformats.org/presentationml/2006/main">
+  <p:cSld>
+    <p:spTree>
+      <p:nvGrpSpPr>
+        <p:cNvPr id="1" name=""/>
+        <p:cNvGrpSpPr/>
+        <p:nvPr/>
+      </p:nvGrpSpPr>
+      <p:grpSpPr>
+        <a:xfrm>
+          <a:off x="0" y="0"/>
+          <a:ext cx="0" cy="0"/>
+          <a:chOff x="0" y="0"/>
+          <a:chExt cx="0" cy="0"/>
+        </a:xfrm>
+      </p:grpSpPr>
+      <p:sp>
+        <p:nvSpPr>
+          <p:cNvPr id="2" name="Title 1">
+            <a:extLst>
+              <a:ext uri="{FF2B5EF4-FFF2-40B4-BE49-F238E27FC236}">
+                <a16:creationId xmlns:a16="http://schemas.microsoft.com/office/drawing/2014/main" id="{66BA2610-EEC0-4F96-8981-7CB9789CC8DB}"/>
+              </a:ext>
+            </a:extLst>
+          </p:cNvPr>
+          <p:cNvSpPr>
+            <a:spLocks noGrp="1"/>
+          </p:cNvSpPr>
+          <p:nvPr>
+            <p:ph type="title"/>
+          </p:nvPr>
+        </p:nvSpPr>
+        <p:spPr/>
+        <p:txBody>
+          <a:bodyPr/>
+          <a:lstStyle/>
+          <a:p>
+            <a:endParaRPr lang="en-IE"/>
+          </a:p>
+        </p:txBody>
+      </p:sp>
+      <p:sp>
+        <p:nvSpPr>
+          <p:cNvPr id="3" name="Content Placeholder 2">
+            <a:extLst>
+              <a:ext uri="{FF2B5EF4-FFF2-40B4-BE49-F238E27FC236}">
+                <a16:creationId xmlns:a16="http://schemas.microsoft.com/office/drawing/2014/main" id="{8727AE8D-5D01-40DE-8FFA-FB18F507B530}"/>
+              </a:ext>
+            </a:extLst>
+          </p:cNvPr>
+          <p:cNvSpPr>
+            <a:spLocks noGrp="1"/>
+          </p:cNvSpPr>
+          <p:nvPr>
+            <p:ph idx="1"/>
+          </p:nvPr>
+        </p:nvSpPr>
+        <p:spPr/>
+        <p:txBody>
+          <a:bodyPr/>
+          <a:lstStyle/>
+          <a:p>
+            <a:r>
+              <a:rPr lang="en-US" dirty="0"/>
+              <a:t>Investing in Pink cab company may give the best the return. </a:t>
+            </a:r>
+          </a:p>
+          <a:p>
+            <a:r>
+              <a:rPr lang="en-US" dirty="0"/>
+              <a:t>While yellow is a stable investment and can over time return a marginal investment . </a:t>
+            </a:r>
+            <a:endParaRPr lang="en-IE" dirty="0"/>
+          </a:p>
+        </p:txBody>
+      </p:sp>
+    </p:spTree>
+    <p:extLst>
+      <p:ext uri="{BB962C8B-B14F-4D97-AF65-F5344CB8AC3E}">
+        <p14:creationId xmlns:p14="http://schemas.microsoft.com/office/powerpoint/2010/main" val="1417963253"/>
+      </p:ext>
+    </p:extLst>
+  </p:cSld>
+  <p:clrMapOvr>
+    <a:masterClrMapping/>
+  </p:clrMapOvr>
+</p:sld>
+</file>
+
+<file path=ppt/slides/slide22.xml><?xml version="1.0" encoding="utf-8"?>
+<p:sld xmlns:a="http://schemas.openxmlformats.org/drawingml/2006/main" xmlns:r="http://schemas.openxmlformats.org/officeDocument/2006/relationships" xmlns:p="http://schemas.openxmlformats.org/presentationml/2006/main">
+  <p:cSld>
+    <p:spTree>
+      <p:nvGrpSpPr>
+        <p:cNvPr id="1" name=""/>
+        <p:cNvGrpSpPr/>
+        <p:nvPr/>
+      </p:nvGrpSpPr>
+      <p:grpSpPr>
+        <a:xfrm>
+          <a:off x="0" y="0"/>
+          <a:ext cx="0" cy="0"/>
+          <a:chOff x="0" y="0"/>
+          <a:chExt cx="0" cy="0"/>
+        </a:xfrm>
+      </p:grpSpPr>
+      <p:sp>
+        <p:nvSpPr>
+          <p:cNvPr id="2" name="Title 1">
+            <a:extLst>
+              <a:ext uri="{FF2B5EF4-FFF2-40B4-BE49-F238E27FC236}">
                 <a16:creationId xmlns:a16="http://schemas.microsoft.com/office/drawing/2014/main" id="{E8B8F26E-9345-4747-9094-972E38700A17}"/>
               </a:ext>
             </a:extLst>
@@ -5957,7 +6891,7 @@
           </p:nvPr>
         </p:nvPicPr>
         <p:blipFill>
-          <a:blip r:embed="rId2"/>
+          <a:blip r:embed="rId3"/>
           <a:stretch>
             <a:fillRect/>
           </a:stretch>
@@ -5988,154 +6922,6 @@
 <file path=ppt/slides/slide7.xml><?xml version="1.0" encoding="utf-8"?>
 <p:sld xmlns:a="http://schemas.openxmlformats.org/drawingml/2006/main" xmlns:r="http://schemas.openxmlformats.org/officeDocument/2006/relationships" xmlns:p="http://schemas.openxmlformats.org/presentationml/2006/main">
   <p:cSld>
-    <p:spTree>
-      <p:nvGrpSpPr>
-        <p:cNvPr id="1" name=""/>
-        <p:cNvGrpSpPr/>
-        <p:nvPr/>
-      </p:nvGrpSpPr>
-      <p:grpSpPr>
-        <a:xfrm>
-          <a:off x="0" y="0"/>
-          <a:ext cx="0" cy="0"/>
-          <a:chOff x="0" y="0"/>
-          <a:chExt cx="0" cy="0"/>
-        </a:xfrm>
-      </p:grpSpPr>
-      <p:sp>
-        <p:nvSpPr>
-          <p:cNvPr id="2" name="Title 1">
-            <a:extLst>
-              <a:ext uri="{FF2B5EF4-FFF2-40B4-BE49-F238E27FC236}">
-                <a16:creationId xmlns:a16="http://schemas.microsoft.com/office/drawing/2014/main" id="{093FBDD0-F032-4FAE-AD08-5E477A9CDC96}"/>
-              </a:ext>
-            </a:extLst>
-          </p:cNvPr>
-          <p:cNvSpPr>
-            <a:spLocks noGrp="1"/>
-          </p:cNvSpPr>
-          <p:nvPr>
-            <p:ph type="title"/>
-          </p:nvPr>
-        </p:nvSpPr>
-        <p:spPr>
-          <a:xfrm>
-            <a:off x="834887" y="424070"/>
-            <a:ext cx="10518913" cy="1266618"/>
-          </a:xfrm>
-          <a:solidFill>
-            <a:schemeClr val="tx1"/>
-          </a:solidFill>
-        </p:spPr>
-        <p:txBody>
-          <a:bodyPr>
-            <a:normAutofit fontScale="90000"/>
-          </a:bodyPr>
-          <a:lstStyle/>
-          <a:p>
-            <a:r>
-              <a:rPr lang="en-US" dirty="0">
-                <a:solidFill>
-                  <a:schemeClr val="accent2"/>
-                </a:solidFill>
-              </a:rPr>
-              <a:t>Profit Analysis : </a:t>
-            </a:r>
-            <a:r>
-              <a:rPr lang="en-US" dirty="0">
-                <a:solidFill>
-                  <a:schemeClr val="bg1"/>
-                </a:solidFill>
-              </a:rPr>
-              <a:t>Profit per Company per year</a:t>
-            </a:r>
-            <a:br>
-              <a:rPr lang="en-US" dirty="0"/>
-            </a:br>
-            <a:endParaRPr lang="en-IE" dirty="0">
-              <a:solidFill>
-                <a:schemeClr val="accent2"/>
-              </a:solidFill>
-            </a:endParaRPr>
-          </a:p>
-        </p:txBody>
-      </p:sp>
-      <p:sp>
-        <p:nvSpPr>
-          <p:cNvPr id="3" name="Content Placeholder 2">
-            <a:extLst>
-              <a:ext uri="{FF2B5EF4-FFF2-40B4-BE49-F238E27FC236}">
-                <a16:creationId xmlns:a16="http://schemas.microsoft.com/office/drawing/2014/main" id="{728F01EF-AF0A-4B51-BEF5-DA97F3775C31}"/>
-              </a:ext>
-            </a:extLst>
-          </p:cNvPr>
-          <p:cNvSpPr>
-            <a:spLocks noGrp="1"/>
-          </p:cNvSpPr>
-          <p:nvPr>
-            <p:ph idx="1"/>
-          </p:nvPr>
-        </p:nvSpPr>
-        <p:spPr/>
-        <p:txBody>
-          <a:bodyPr/>
-          <a:lstStyle/>
-          <a:p>
-            <a:pPr marL="0" indent="0">
-              <a:buNone/>
-            </a:pPr>
-            <a:endParaRPr lang="en-IE" dirty="0"/>
-          </a:p>
-        </p:txBody>
-      </p:sp>
-      <p:pic>
-        <p:nvPicPr>
-          <p:cNvPr id="4" name="Picture" title="This slide contains the following visuals: clusteredColumnChart, tableEx, clusteredColumnChart. Please refer to the notes on this slide for details.">
-            <a:hlinkClick r:id="rId2"/>
-            <a:extLst>
-              <a:ext uri="{FF2B5EF4-FFF2-40B4-BE49-F238E27FC236}">
-                <a16:creationId xmlns:a16="http://schemas.microsoft.com/office/drawing/2014/main" id="{B1556247-CDCE-4FAD-B363-8BFF4D00A98C}"/>
-              </a:ext>
-            </a:extLst>
-          </p:cNvPr>
-          <p:cNvPicPr>
-            <a:picLocks noChangeAspect="1"/>
-          </p:cNvPicPr>
-          <p:nvPr/>
-        </p:nvPicPr>
-        <p:blipFill>
-          <a:blip r:embed="rId3"/>
-          <a:stretch>
-            <a:fillRect/>
-          </a:stretch>
-        </p:blipFill>
-        <p:spPr>
-          <a:xfrm>
-            <a:off x="643392" y="1825625"/>
-            <a:ext cx="10962454" cy="4840524"/>
-          </a:xfrm>
-          <a:prstGeom prst="rect">
-            <a:avLst/>
-          </a:prstGeom>
-          <a:noFill/>
-        </p:spPr>
-      </p:pic>
-    </p:spTree>
-    <p:extLst>
-      <p:ext uri="{BB962C8B-B14F-4D97-AF65-F5344CB8AC3E}">
-        <p14:creationId xmlns:p14="http://schemas.microsoft.com/office/powerpoint/2010/main" val="1557522801"/>
-      </p:ext>
-    </p:extLst>
-  </p:cSld>
-  <p:clrMapOvr>
-    <a:masterClrMapping/>
-  </p:clrMapOvr>
-</p:sld>
-</file>
-
-<file path=ppt/slides/slide8.xml><?xml version="1.0" encoding="utf-8"?>
-<p:sld xmlns:a="http://schemas.openxmlformats.org/drawingml/2006/main" xmlns:r="http://schemas.openxmlformats.org/officeDocument/2006/relationships" xmlns:p="http://schemas.openxmlformats.org/presentationml/2006/main">
-  <p:cSld>
     <p:bg>
       <p:bgPr>
         <a:solidFill>
@@ -6160,7 +6946,7 @@
       </p:grpSpPr>
       <p:sp>
         <p:nvSpPr>
-          <p:cNvPr id="14" name="Rectangle 13">
+          <p:cNvPr id="11" name="Rectangle 10">
             <a:extLst>
               <a:ext uri="{FF2B5EF4-FFF2-40B4-BE49-F238E27FC236}">
                 <a16:creationId xmlns:a16="http://schemas.microsoft.com/office/drawing/2014/main" id="{A4AC5506-6312-4701-8D3C-40187889A947}"/>
@@ -6223,10 +7009,10 @@
       </p:sp>
       <p:sp>
         <p:nvSpPr>
-          <p:cNvPr id="2" name="Title 1">
+          <p:cNvPr id="4" name="Title 3">
             <a:extLst>
               <a:ext uri="{FF2B5EF4-FFF2-40B4-BE49-F238E27FC236}">
-                <a16:creationId xmlns:a16="http://schemas.microsoft.com/office/drawing/2014/main" id="{C4E73F5E-6E00-445F-B52A-D02AEACFC4B9}"/>
+                <a16:creationId xmlns:a16="http://schemas.microsoft.com/office/drawing/2014/main" id="{FD51D41F-B93F-41BF-8154-A0C33E745192}"/>
               </a:ext>
             </a:extLst>
           </p:cNvPr>
@@ -6239,57 +7025,60 @@
         </p:nvSpPr>
         <p:spPr>
           <a:xfrm>
-            <a:off x="556532" y="643467"/>
-            <a:ext cx="11210925" cy="744836"/>
+            <a:off x="0" y="0"/>
+            <a:ext cx="12192000" cy="1388303"/>
           </a:xfrm>
+          <a:solidFill>
+            <a:schemeClr val="tx1"/>
+          </a:solidFill>
         </p:spPr>
         <p:txBody>
-          <a:bodyPr>
+          <a:bodyPr vert="horz" lIns="91440" tIns="45720" rIns="91440" bIns="45720" rtlCol="0" anchor="ctr">
             <a:normAutofit/>
           </a:bodyPr>
           <a:lstStyle/>
           <a:p>
             <a:pPr algn="ctr"/>
             <a:r>
-              <a:rPr lang="en-US" sz="3200" dirty="0">
+              <a:rPr lang="en-US" sz="3200" kern="1200" dirty="0">
                 <a:solidFill>
-                  <a:schemeClr val="bg1"/>
+                  <a:schemeClr val="accent2"/>
                 </a:solidFill>
+                <a:latin typeface="+mj-lt"/>
+                <a:ea typeface="+mj-ea"/>
+                <a:cs typeface="+mj-cs"/>
               </a:rPr>
-              <a:t>Profit </a:t>
-            </a:r>
-            <a:endParaRPr lang="en-IE" sz="3200" dirty="0">
-              <a:solidFill>
-                <a:schemeClr val="bg1"/>
-              </a:solidFill>
-            </a:endParaRPr>
+              <a:t>Yellow cab vs Users over time</a:t>
+            </a:r>
           </a:p>
         </p:txBody>
       </p:sp>
       <p:pic>
         <p:nvPicPr>
-          <p:cNvPr id="4" name="Picture 3">
+          <p:cNvPr id="6" name="Content Placeholder 5">
             <a:extLst>
               <a:ext uri="{FF2B5EF4-FFF2-40B4-BE49-F238E27FC236}">
-                <a16:creationId xmlns:a16="http://schemas.microsoft.com/office/drawing/2014/main" id="{67945736-3B8D-4197-9792-42D857977CEA}"/>
+                <a16:creationId xmlns:a16="http://schemas.microsoft.com/office/drawing/2014/main" id="{4FE6A635-69BD-4C38-9323-C96E22BB6C5E}"/>
               </a:ext>
             </a:extLst>
           </p:cNvPr>
           <p:cNvPicPr>
-            <a:picLocks noChangeAspect="1"/>
+            <a:picLocks noGrp="1" noChangeAspect="1"/>
           </p:cNvPicPr>
-          <p:nvPr/>
+          <p:nvPr>
+            <p:ph idx="1"/>
+          </p:nvPr>
         </p:nvPicPr>
         <p:blipFill>
-          <a:blip r:embed="rId2"/>
+          <a:blip r:embed="rId3"/>
           <a:stretch>
             <a:fillRect/>
           </a:stretch>
         </p:blipFill>
         <p:spPr>
           <a:xfrm>
-            <a:off x="2307896" y="1675227"/>
-            <a:ext cx="7576207" cy="4394199"/>
+            <a:off x="2027297" y="1675227"/>
+            <a:ext cx="8137406" cy="4394199"/>
           </a:xfrm>
           <a:prstGeom prst="rect">
             <a:avLst/>
@@ -6299,7 +7088,7 @@
     </p:spTree>
     <p:extLst>
       <p:ext uri="{BB962C8B-B14F-4D97-AF65-F5344CB8AC3E}">
-        <p14:creationId xmlns:p14="http://schemas.microsoft.com/office/powerpoint/2010/main" val="765839306"/>
+        <p14:creationId xmlns:p14="http://schemas.microsoft.com/office/powerpoint/2010/main" val="835484680"/>
       </p:ext>
     </p:extLst>
   </p:cSld>
@@ -6309,17 +7098,9 @@
 </p:sld>
 </file>
 
-<file path=ppt/slides/slide9.xml><?xml version="1.0" encoding="utf-8"?>
+<file path=ppt/slides/slide8.xml><?xml version="1.0" encoding="utf-8"?>
 <p:sld xmlns:a="http://schemas.openxmlformats.org/drawingml/2006/main" xmlns:r="http://schemas.openxmlformats.org/officeDocument/2006/relationships" xmlns:p="http://schemas.openxmlformats.org/presentationml/2006/main">
   <p:cSld>
-    <p:bg>
-      <p:bgPr>
-        <a:solidFill>
-          <a:schemeClr val="bg1"/>
-        </a:solidFill>
-        <a:effectLst/>
-      </p:bgPr>
-    </p:bg>
     <p:spTree>
       <p:nvGrpSpPr>
         <p:cNvPr id="1" name=""/>
@@ -6334,75 +7115,44 @@
           <a:chExt cx="0" cy="0"/>
         </a:xfrm>
       </p:grpSpPr>
-      <p:sp>
-        <p:nvSpPr>
-          <p:cNvPr id="8" name="Rectangle 7">
+      <p:pic>
+        <p:nvPicPr>
+          <p:cNvPr id="4" name="Content Placeholder 3">
             <a:extLst>
               <a:ext uri="{FF2B5EF4-FFF2-40B4-BE49-F238E27FC236}">
-                <a16:creationId xmlns:a16="http://schemas.microsoft.com/office/drawing/2014/main" id="{A4AC5506-6312-4701-8D3C-40187889A947}"/>
-              </a:ext>
-              <a:ext uri="{C183D7F6-B498-43B3-948B-1728B52AA6E4}">
-                <adec:decorative xmlns:adec="http://schemas.microsoft.com/office/drawing/2017/decorative" val="1"/>
+                <a16:creationId xmlns:a16="http://schemas.microsoft.com/office/drawing/2014/main" id="{7C3D6BBC-0D2F-4694-B2CF-4A3AE487B746}"/>
               </a:ext>
             </a:extLst>
           </p:cNvPr>
-          <p:cNvSpPr>
-            <a:spLocks noGrp="1" noRot="1" noChangeAspect="1" noMove="1" noResize="1" noEditPoints="1" noAdjustHandles="1" noChangeArrowheads="1" noChangeShapeType="1" noTextEdit="1"/>
-          </p:cNvSpPr>
-          <p:nvPr>
-            <p:extLst>
-              <p:ext uri="{386F3935-93C4-4BCD-93E2-E3B085C9AB24}">
-                <p16:designElem xmlns:p16="http://schemas.microsoft.com/office/powerpoint/2015/main" val="1"/>
-              </p:ext>
-            </p:extLst>
-          </p:nvPr>
-        </p:nvSpPr>
+          <p:cNvPicPr>
+            <a:picLocks noGrp="1" noChangeAspect="1"/>
+          </p:cNvPicPr>
+          <p:nvPr>
+            <p:ph idx="1"/>
+          </p:nvPr>
+        </p:nvPicPr>
+        <p:blipFill>
+          <a:blip r:embed="rId3"/>
+          <a:stretch>
+            <a:fillRect/>
+          </a:stretch>
+        </p:blipFill>
         <p:spPr>
           <a:xfrm>
-            <a:off x="0" y="651752"/>
-            <a:ext cx="12192000" cy="736551"/>
+            <a:off x="838200" y="1919791"/>
+            <a:ext cx="9569116" cy="4163006"/>
           </a:xfrm>
           <a:prstGeom prst="rect">
             <a:avLst/>
           </a:prstGeom>
-          <a:solidFill>
-            <a:schemeClr val="tx1"/>
-          </a:solidFill>
-          <a:ln>
-            <a:noFill/>
-          </a:ln>
         </p:spPr>
-        <p:style>
-          <a:lnRef idx="2">
-            <a:schemeClr val="accent1">
-              <a:shade val="50000"/>
-            </a:schemeClr>
-          </a:lnRef>
-          <a:fillRef idx="1">
-            <a:schemeClr val="accent1"/>
-          </a:fillRef>
-          <a:effectRef idx="0">
-            <a:schemeClr val="accent1"/>
-          </a:effectRef>
-          <a:fontRef idx="minor">
-            <a:schemeClr val="lt1"/>
-          </a:fontRef>
-        </p:style>
-        <p:txBody>
-          <a:bodyPr rtlCol="0" anchor="ctr"/>
-          <a:lstStyle/>
-          <a:p>
-            <a:pPr algn="ctr"/>
-            <a:endParaRPr lang="en-US"/>
-          </a:p>
-        </p:txBody>
-      </p:sp>
-      <p:sp>
-        <p:nvSpPr>
-          <p:cNvPr id="2" name="Title 1">
+      </p:pic>
+      <p:sp>
+        <p:nvSpPr>
+          <p:cNvPr id="5" name="Title 3">
             <a:extLst>
               <a:ext uri="{FF2B5EF4-FFF2-40B4-BE49-F238E27FC236}">
-                <a16:creationId xmlns:a16="http://schemas.microsoft.com/office/drawing/2014/main" id="{3E675E77-20FA-45A0-AC4B-4DCF633A2070}"/>
+                <a16:creationId xmlns:a16="http://schemas.microsoft.com/office/drawing/2014/main" id="{EDE9880A-2C87-4E4C-8C65-4674684ECD9C}"/>
               </a:ext>
             </a:extLst>
           </p:cNvPr>
@@ -6415,15 +7165,15 @@
         </p:nvSpPr>
         <p:spPr>
           <a:xfrm>
-            <a:off x="0" y="0"/>
-            <a:ext cx="12304295" cy="1106905"/>
+            <a:off x="838200" y="365125"/>
+            <a:ext cx="10515600" cy="1325563"/>
           </a:xfrm>
           <a:solidFill>
             <a:schemeClr val="tx1"/>
           </a:solidFill>
         </p:spPr>
         <p:txBody>
-          <a:bodyPr>
+          <a:bodyPr vert="horz" lIns="91440" tIns="45720" rIns="91440" bIns="45720" rtlCol="0" anchor="ctr">
             <a:normAutofit/>
           </a:bodyPr>
           <a:lstStyle/>
@@ -6435,9 +7185,103 @@
                   <a:schemeClr val="accent2"/>
                 </a:solidFill>
               </a:rPr>
-              <a:t>Preferred Payment method and Highest earning city</a:t>
-            </a:r>
-            <a:endParaRPr lang="en-IE" sz="3200" dirty="0">
+              <a:t>Pink</a:t>
+            </a:r>
+            <a:r>
+              <a:rPr lang="en-US" sz="3200" kern="1200" dirty="0">
+                <a:solidFill>
+                  <a:schemeClr val="accent2"/>
+                </a:solidFill>
+                <a:latin typeface="+mj-lt"/>
+                <a:ea typeface="+mj-ea"/>
+                <a:cs typeface="+mj-cs"/>
+              </a:rPr>
+              <a:t> cab vs Users over time</a:t>
+            </a:r>
+          </a:p>
+        </p:txBody>
+      </p:sp>
+    </p:spTree>
+    <p:extLst>
+      <p:ext uri="{BB962C8B-B14F-4D97-AF65-F5344CB8AC3E}">
+        <p14:creationId xmlns:p14="http://schemas.microsoft.com/office/powerpoint/2010/main" val="4186755201"/>
+      </p:ext>
+    </p:extLst>
+  </p:cSld>
+  <p:clrMapOvr>
+    <a:masterClrMapping/>
+  </p:clrMapOvr>
+</p:sld>
+</file>
+
+<file path=ppt/slides/slide9.xml><?xml version="1.0" encoding="utf-8"?>
+<p:sld xmlns:a="http://schemas.openxmlformats.org/drawingml/2006/main" xmlns:r="http://schemas.openxmlformats.org/officeDocument/2006/relationships" xmlns:p="http://schemas.openxmlformats.org/presentationml/2006/main">
+  <p:cSld>
+    <p:spTree>
+      <p:nvGrpSpPr>
+        <p:cNvPr id="1" name=""/>
+        <p:cNvGrpSpPr/>
+        <p:nvPr/>
+      </p:nvGrpSpPr>
+      <p:grpSpPr>
+        <a:xfrm>
+          <a:off x="0" y="0"/>
+          <a:ext cx="0" cy="0"/>
+          <a:chOff x="0" y="0"/>
+          <a:chExt cx="0" cy="0"/>
+        </a:xfrm>
+      </p:grpSpPr>
+      <p:sp>
+        <p:nvSpPr>
+          <p:cNvPr id="2" name="Title 1">
+            <a:extLst>
+              <a:ext uri="{FF2B5EF4-FFF2-40B4-BE49-F238E27FC236}">
+                <a16:creationId xmlns:a16="http://schemas.microsoft.com/office/drawing/2014/main" id="{093FBDD0-F032-4FAE-AD08-5E477A9CDC96}"/>
+              </a:ext>
+            </a:extLst>
+          </p:cNvPr>
+          <p:cNvSpPr>
+            <a:spLocks noGrp="1"/>
+          </p:cNvSpPr>
+          <p:nvPr>
+            <p:ph type="title"/>
+          </p:nvPr>
+        </p:nvSpPr>
+        <p:spPr>
+          <a:xfrm>
+            <a:off x="834887" y="424070"/>
+            <a:ext cx="10518913" cy="1266618"/>
+          </a:xfrm>
+          <a:solidFill>
+            <a:schemeClr val="tx1"/>
+          </a:solidFill>
+        </p:spPr>
+        <p:txBody>
+          <a:bodyPr>
+            <a:normAutofit fontScale="90000"/>
+          </a:bodyPr>
+          <a:lstStyle/>
+          <a:p>
+            <a:r>
+              <a:rPr lang="en-US" dirty="0">
+                <a:solidFill>
+                  <a:schemeClr val="accent2"/>
+                </a:solidFill>
+              </a:rPr>
+              <a:t>Profit Analysis : </a:t>
+            </a:r>
+            <a:r>
+              <a:rPr lang="en-US" dirty="0">
+                <a:solidFill>
+                  <a:schemeClr val="bg1"/>
+                </a:solidFill>
+              </a:rPr>
+              <a:t>Profit per Company per year</a:t>
+            </a:r>
+            <a:br>
+              <a:rPr lang="en-US" dirty="0"/>
+            </a:br>
+            <a:endParaRPr lang="en-IE" dirty="0">
               <a:solidFill>
                 <a:schemeClr val="accent2"/>
               </a:solidFill>
@@ -6445,13 +7289,41 @@
           </a:p>
         </p:txBody>
       </p:sp>
+      <p:sp>
+        <p:nvSpPr>
+          <p:cNvPr id="3" name="Content Placeholder 2">
+            <a:extLst>
+              <a:ext uri="{FF2B5EF4-FFF2-40B4-BE49-F238E27FC236}">
+                <a16:creationId xmlns:a16="http://schemas.microsoft.com/office/drawing/2014/main" id="{728F01EF-AF0A-4B51-BEF5-DA97F3775C31}"/>
+              </a:ext>
+            </a:extLst>
+          </p:cNvPr>
+          <p:cNvSpPr>
+            <a:spLocks noGrp="1"/>
+          </p:cNvSpPr>
+          <p:nvPr>
+            <p:ph idx="1"/>
+          </p:nvPr>
+        </p:nvSpPr>
+        <p:spPr/>
+        <p:txBody>
+          <a:bodyPr/>
+          <a:lstStyle/>
+          <a:p>
+            <a:pPr marL="0" indent="0">
+              <a:buNone/>
+            </a:pPr>
+            <a:endParaRPr lang="en-IE" dirty="0"/>
+          </a:p>
+        </p:txBody>
+      </p:sp>
       <p:pic>
         <p:nvPicPr>
-          <p:cNvPr id="6" name="Picture" title="This slide contains the following visuals: clusteredBarChart, pieChart, actionButton, treemap. Please refer to the notes on this slide for details.">
-            <a:hlinkClick r:id="rId2"/>
+          <p:cNvPr id="4" name="Picture" title="This slide contains the following visuals: clusteredColumnChart, tableEx, clusteredColumnChart. Please refer to the notes on this slide for details.">
+            <a:hlinkClick r:id="rId3"/>
             <a:extLst>
               <a:ext uri="{FF2B5EF4-FFF2-40B4-BE49-F238E27FC236}">
-                <a16:creationId xmlns:a16="http://schemas.microsoft.com/office/drawing/2014/main" id="{CEB20059-7194-4DF8-BABE-BE216AF2EDEF}"/>
+                <a16:creationId xmlns:a16="http://schemas.microsoft.com/office/drawing/2014/main" id="{B1556247-CDCE-4FAD-B363-8BFF4D00A98C}"/>
               </a:ext>
             </a:extLst>
           </p:cNvPr>
@@ -6461,15 +7333,15 @@
           <p:nvPr/>
         </p:nvPicPr>
         <p:blipFill>
-          <a:blip r:embed="rId3"/>
+          <a:blip r:embed="rId4"/>
           <a:stretch>
             <a:fillRect/>
           </a:stretch>
         </p:blipFill>
         <p:spPr>
           <a:xfrm>
-            <a:off x="0" y="1130968"/>
-            <a:ext cx="12192000" cy="5751095"/>
+            <a:off x="643392" y="1825625"/>
+            <a:ext cx="10962454" cy="4840524"/>
           </a:xfrm>
           <a:prstGeom prst="rect">
             <a:avLst/>
@@ -6480,7 +7352,7 @@
     </p:spTree>
     <p:extLst>
       <p:ext uri="{BB962C8B-B14F-4D97-AF65-F5344CB8AC3E}">
-        <p14:creationId xmlns:p14="http://schemas.microsoft.com/office/powerpoint/2010/main" val="2528033368"/>
+        <p14:creationId xmlns:p14="http://schemas.microsoft.com/office/powerpoint/2010/main" val="1557522801"/>
       </p:ext>
     </p:extLst>
   </p:cSld>
